--- a/doc/IoT Slide.pptx
+++ b/doc/IoT Slide.pptx
@@ -896,6 +896,179 @@
             </a:r>
             <a:endParaRPr/>
           </a:p>
+          <a:p>
+            <a:pPr indent="0" lvl="0" marL="0" rtl="0" algn="l">
+              <a:spcBef>
+                <a:spcPts val="0"/>
+              </a:spcBef>
+              <a:spcAft>
+                <a:spcPts val="0"/>
+              </a:spcAft>
+              <a:buNone/>
+            </a:pPr>
+            <a:r>
+              <a:rPr lang="fr"/>
+              <a:t>Systeme de surveillance composé de:</a:t>
+            </a:r>
+            <a:endParaRPr/>
+          </a:p>
+          <a:p>
+            <a:pPr indent="0" lvl="0" marL="0" rtl="0" algn="l">
+              <a:spcBef>
+                <a:spcPts val="0"/>
+              </a:spcBef>
+              <a:spcAft>
+                <a:spcPts val="0"/>
+              </a:spcAft>
+              <a:buNone/>
+            </a:pPr>
+            <a:r>
+              <a:t/>
+            </a:r>
+            <a:endParaRPr/>
+          </a:p>
+          <a:p>
+            <a:pPr indent="0" lvl="0" marL="0" rtl="0" algn="l">
+              <a:spcBef>
+                <a:spcPts val="0"/>
+              </a:spcBef>
+              <a:spcAft>
+                <a:spcPts val="0"/>
+              </a:spcAft>
+              <a:buNone/>
+            </a:pPr>
+            <a:r>
+              <a:rPr lang="fr"/>
+              <a:t>    - Camera</a:t>
+            </a:r>
+            <a:endParaRPr/>
+          </a:p>
+          <a:p>
+            <a:pPr indent="0" lvl="0" marL="0" rtl="0" algn="l">
+              <a:spcBef>
+                <a:spcPts val="0"/>
+              </a:spcBef>
+              <a:spcAft>
+                <a:spcPts val="0"/>
+              </a:spcAft>
+              <a:buNone/>
+            </a:pPr>
+            <a:r>
+              <a:rPr lang="fr"/>
+              <a:t>    - Lampe</a:t>
+            </a:r>
+            <a:endParaRPr/>
+          </a:p>
+          <a:p>
+            <a:pPr indent="0" lvl="0" marL="0" rtl="0" algn="l">
+              <a:spcBef>
+                <a:spcPts val="0"/>
+              </a:spcBef>
+              <a:spcAft>
+                <a:spcPts val="0"/>
+              </a:spcAft>
+              <a:buNone/>
+            </a:pPr>
+            <a:r>
+              <a:rPr lang="fr"/>
+              <a:t>    - Detecteur de mouvement</a:t>
+            </a:r>
+            <a:endParaRPr/>
+          </a:p>
+          <a:p>
+            <a:pPr indent="0" lvl="0" marL="0" rtl="0" algn="l">
+              <a:spcBef>
+                <a:spcPts val="0"/>
+              </a:spcBef>
+              <a:spcAft>
+                <a:spcPts val="0"/>
+              </a:spcAft>
+              <a:buNone/>
+            </a:pPr>
+            <a:r>
+              <a:t/>
+            </a:r>
+            <a:endParaRPr/>
+          </a:p>
+          <a:p>
+            <a:pPr indent="0" lvl="0" marL="0" rtl="0" algn="l">
+              <a:spcBef>
+                <a:spcPts val="0"/>
+              </a:spcBef>
+              <a:spcAft>
+                <a:spcPts val="0"/>
+              </a:spcAft>
+              <a:buNone/>
+            </a:pPr>
+            <a:r>
+              <a:rPr lang="fr"/>
+              <a:t>Lieus d'utilisation</a:t>
+            </a:r>
+            <a:endParaRPr/>
+          </a:p>
+          <a:p>
+            <a:pPr indent="0" lvl="0" marL="0" rtl="0" algn="l">
+              <a:spcBef>
+                <a:spcPts val="0"/>
+              </a:spcBef>
+              <a:spcAft>
+                <a:spcPts val="0"/>
+              </a:spcAft>
+              <a:buNone/>
+            </a:pPr>
+            <a:r>
+              <a:t/>
+            </a:r>
+            <a:endParaRPr/>
+          </a:p>
+          <a:p>
+            <a:pPr indent="0" lvl="0" marL="0" rtl="0" algn="l">
+              <a:spcBef>
+                <a:spcPts val="0"/>
+              </a:spcBef>
+              <a:spcAft>
+                <a:spcPts val="0"/>
+              </a:spcAft>
+              <a:buNone/>
+            </a:pPr>
+            <a:r>
+              <a:rPr lang="fr"/>
+              <a:t>    -Dans un garage</a:t>
+            </a:r>
+            <a:endParaRPr/>
+          </a:p>
+          <a:p>
+            <a:pPr indent="0" lvl="0" marL="0" rtl="0" algn="l">
+              <a:spcBef>
+                <a:spcPts val="0"/>
+              </a:spcBef>
+              <a:spcAft>
+                <a:spcPts val="0"/>
+              </a:spcAft>
+              <a:buNone/>
+            </a:pPr>
+            <a:r>
+              <a:rPr lang="fr"/>
+              <a:t>    -Dans une chambre</a:t>
+            </a:r>
+            <a:endParaRPr/>
+          </a:p>
+          <a:p>
+            <a:pPr indent="0" lvl="0" marL="0" rtl="0" algn="l">
+              <a:spcBef>
+                <a:spcPts val="0"/>
+              </a:spcBef>
+              <a:spcAft>
+                <a:spcPts val="0"/>
+              </a:spcAft>
+              <a:buNone/>
+            </a:pPr>
+            <a:r>
+              <a:rPr lang="fr"/>
+              <a:t>    -Dans un entrepot</a:t>
+            </a:r>
+            <a:endParaRPr/>
+          </a:p>
         </p:txBody>
       </p:sp>
     </p:spTree>
@@ -1010,7 +1183,7 @@
   <p:cSld>
     <p:spTree>
       <p:nvGrpSpPr>
-        <p:cNvPr id="153" name="Shape 153"/>
+        <p:cNvPr id="152" name="Shape 152"/>
         <p:cNvGrpSpPr/>
         <p:nvPr/>
       </p:nvGrpSpPr>
@@ -1024,7 +1197,7 @@
       </p:grpSpPr>
       <p:sp>
         <p:nvSpPr>
-          <p:cNvPr id="154" name="Google Shape;154;g6ad115be1e_0_3:notes"/>
+          <p:cNvPr id="153" name="Google Shape;153;g6ad115be1e_0_3:notes"/>
           <p:cNvSpPr/>
           <p:nvPr>
             <p:ph idx="2" type="sldImg"/>
@@ -1059,7 +1232,7 @@
       </p:sp>
       <p:sp>
         <p:nvSpPr>
-          <p:cNvPr id="155" name="Google Shape;155;g6ad115be1e_0_3:notes"/>
+          <p:cNvPr id="154" name="Google Shape;154;g6ad115be1e_0_3:notes"/>
           <p:cNvSpPr txBox="1"/>
           <p:nvPr>
             <p:ph idx="1" type="body"/>
@@ -1109,7 +1282,7 @@
   <p:cSld>
     <p:spTree>
       <p:nvGrpSpPr>
-        <p:cNvPr id="160" name="Shape 160"/>
+        <p:cNvPr id="159" name="Shape 159"/>
         <p:cNvGrpSpPr/>
         <p:nvPr/>
       </p:nvGrpSpPr>
@@ -1123,7 +1296,7 @@
       </p:grpSpPr>
       <p:sp>
         <p:nvSpPr>
-          <p:cNvPr id="161" name="Google Shape;161;g65cddc2a9f_2_369:notes"/>
+          <p:cNvPr id="160" name="Google Shape;160;g65cddc2a9f_2_369:notes"/>
           <p:cNvSpPr/>
           <p:nvPr>
             <p:ph idx="2" type="sldImg"/>
@@ -1158,7 +1331,7 @@
       </p:sp>
       <p:sp>
         <p:nvSpPr>
-          <p:cNvPr id="162" name="Google Shape;162;g65cddc2a9f_2_369:notes"/>
+          <p:cNvPr id="161" name="Google Shape;161;g65cddc2a9f_2_369:notes"/>
           <p:cNvSpPr txBox="1"/>
           <p:nvPr>
             <p:ph idx="1" type="body"/>
@@ -1179,14 +1352,15 @@
           </a:bodyPr>
           <a:lstStyle/>
           <a:p>
-            <a:pPr indent="0" lvl="0" marL="0" rtl="0" algn="l">
-              <a:spcBef>
-                <a:spcPts val="0"/>
-              </a:spcBef>
-              <a:spcAft>
-                <a:spcPts val="0"/>
-              </a:spcAft>
-              <a:buNone/>
+            <a:pPr indent="-298450" lvl="0" marL="457200" rtl="0" algn="l">
+              <a:spcBef>
+                <a:spcPts val="0"/>
+              </a:spcBef>
+              <a:spcAft>
+                <a:spcPts val="0"/>
+              </a:spcAft>
+              <a:buSzPts val="1100"/>
+              <a:buChar char="●"/>
             </a:pPr>
             <a:r>
               <a:rPr lang="fr"/>
@@ -1210,6 +1384,89 @@
             </a:r>
             <a:endParaRPr/>
           </a:p>
+          <a:p>
+            <a:pPr indent="-298450" lvl="0" marL="457200" rtl="0" algn="l">
+              <a:spcBef>
+                <a:spcPts val="0"/>
+              </a:spcBef>
+              <a:spcAft>
+                <a:spcPts val="0"/>
+              </a:spcAft>
+              <a:buSzPts val="1100"/>
+              <a:buChar char="●"/>
+            </a:pPr>
+            <a:r>
+              <a:rPr lang="fr"/>
+              <a:t>Cette fonction vous offre la possibilité de déterminer une ligne virtuelle à ne pas franchir (avec un sens spécifique). Idéale pour les commerces, elle vous avertit lorsqu’une personne entre par la sortie</a:t>
+            </a:r>
+            <a:endParaRPr/>
+          </a:p>
+          <a:p>
+            <a:pPr indent="-298450" lvl="0" marL="457200" rtl="0" algn="l">
+              <a:spcBef>
+                <a:spcPts val="0"/>
+              </a:spcBef>
+              <a:spcAft>
+                <a:spcPts val="0"/>
+              </a:spcAft>
+              <a:buSzPts val="1100"/>
+              <a:buChar char="●"/>
+            </a:pPr>
+            <a:r>
+              <a:rPr lang="fr"/>
+              <a:t>Cette fonction permet de connaître le flux de passage dans les rayons d’un magasin, tables de jeux, ou couloir de locaux à tout moment de la journée</a:t>
+            </a:r>
+            <a:endParaRPr/>
+          </a:p>
+          <a:p>
+            <a:pPr indent="-298450" lvl="0" marL="457200" rtl="0" algn="l">
+              <a:spcBef>
+                <a:spcPts val="0"/>
+              </a:spcBef>
+              <a:spcAft>
+                <a:spcPts val="0"/>
+              </a:spcAft>
+              <a:buSzPts val="1100"/>
+              <a:buChar char="●"/>
+            </a:pPr>
+            <a:r>
+              <a:rPr lang="fr"/>
+              <a:t>Cette fonction permet à la caméra d’enregistrer les visages des personnes accédant à vos locaux. Ainsi, elle vous offre la possibilité d’effectuer des recherches intelligentes et de retrouver la séquence vidéo liée au visage d’une personne.</a:t>
+            </a:r>
+            <a:endParaRPr/>
+          </a:p>
+          <a:p>
+            <a:pPr indent="-298450" lvl="0" marL="457200" rtl="0" algn="l">
+              <a:spcBef>
+                <a:spcPts val="0"/>
+              </a:spcBef>
+              <a:spcAft>
+                <a:spcPts val="0"/>
+              </a:spcAft>
+              <a:buSzPts val="1100"/>
+              <a:buChar char="●"/>
+            </a:pPr>
+            <a:r>
+              <a:rPr lang="fr"/>
+              <a:t>Détecteur mouvement active enregistrement en cas de mouvement dans une surface donné</a:t>
+            </a:r>
+            <a:endParaRPr/>
+          </a:p>
+          <a:p>
+            <a:pPr indent="0" lvl="0" marL="0" rtl="0" algn="l">
+              <a:spcBef>
+                <a:spcPts val="0"/>
+              </a:spcBef>
+              <a:spcAft>
+                <a:spcPts val="0"/>
+              </a:spcAft>
+              <a:buNone/>
+            </a:pPr>
+            <a:r>
+              <a:t/>
+            </a:r>
+            <a:endParaRPr/>
+          </a:p>
         </p:txBody>
       </p:sp>
     </p:spTree>
@@ -1225,7 +1482,7 @@
   <p:cSld>
     <p:spTree>
       <p:nvGrpSpPr>
-        <p:cNvPr id="169" name="Shape 169"/>
+        <p:cNvPr id="168" name="Shape 168"/>
         <p:cNvGrpSpPr/>
         <p:nvPr/>
       </p:nvGrpSpPr>
@@ -1239,7 +1496,7 @@
       </p:grpSpPr>
       <p:sp>
         <p:nvSpPr>
-          <p:cNvPr id="170" name="Google Shape;170;g65cddc2a9f_2_377:notes"/>
+          <p:cNvPr id="169" name="Google Shape;169;g65cddc2a9f_2_377:notes"/>
           <p:cNvSpPr/>
           <p:nvPr>
             <p:ph idx="2" type="sldImg"/>
@@ -1274,7 +1531,7 @@
       </p:sp>
       <p:sp>
         <p:nvSpPr>
-          <p:cNvPr id="171" name="Google Shape;171;g65cddc2a9f_2_377:notes"/>
+          <p:cNvPr id="170" name="Google Shape;170;g65cddc2a9f_2_377:notes"/>
           <p:cNvSpPr txBox="1"/>
           <p:nvPr>
             <p:ph idx="1" type="body"/>
@@ -1347,7 +1604,7 @@
   <p:cSld>
     <p:spTree>
       <p:nvGrpSpPr>
-        <p:cNvPr id="180" name="Shape 180"/>
+        <p:cNvPr id="179" name="Shape 179"/>
         <p:cNvGrpSpPr/>
         <p:nvPr/>
       </p:nvGrpSpPr>
@@ -1361,7 +1618,7 @@
       </p:grpSpPr>
       <p:sp>
         <p:nvSpPr>
-          <p:cNvPr id="181" name="Google Shape;181;g65cddc2a9f_0_5:notes"/>
+          <p:cNvPr id="180" name="Google Shape;180;g65cddc2a9f_0_5:notes"/>
           <p:cNvSpPr/>
           <p:nvPr>
             <p:ph idx="2" type="sldImg"/>
@@ -1396,7 +1653,7 @@
       </p:sp>
       <p:sp>
         <p:nvSpPr>
-          <p:cNvPr id="182" name="Google Shape;182;g65cddc2a9f_0_5:notes"/>
+          <p:cNvPr id="181" name="Google Shape;181;g65cddc2a9f_0_5:notes"/>
           <p:cNvSpPr txBox="1"/>
           <p:nvPr>
             <p:ph idx="1" type="body"/>
@@ -10147,48 +10404,9 @@
           </a:p>
         </p:txBody>
       </p:sp>
-      <p:sp>
-        <p:nvSpPr>
-          <p:cNvPr id="151" name="Google Shape;151;p15"/>
-          <p:cNvSpPr txBox="1"/>
-          <p:nvPr>
-            <p:ph idx="1" type="body"/>
-          </p:nvPr>
-        </p:nvSpPr>
-        <p:spPr>
-          <a:xfrm>
-            <a:off x="1297500" y="1567550"/>
-            <a:ext cx="7038900" cy="2911200"/>
-          </a:xfrm>
-          <a:prstGeom prst="rect">
-            <a:avLst/>
-          </a:prstGeom>
-        </p:spPr>
-        <p:txBody>
-          <a:bodyPr anchorCtr="0" anchor="t" bIns="91425" lIns="91425" spcFirstLastPara="1" rIns="91425" wrap="square" tIns="91425">
-            <a:noAutofit/>
-          </a:bodyPr>
-          <a:lstStyle/>
-          <a:p>
-            <a:pPr indent="0" lvl="0" marL="0" rtl="0" algn="l">
-              <a:spcBef>
-                <a:spcPts val="0"/>
-              </a:spcBef>
-              <a:spcAft>
-                <a:spcPts val="1600"/>
-              </a:spcAft>
-              <a:buNone/>
-            </a:pPr>
-            <a:r>
-              <a:t/>
-            </a:r>
-            <a:endParaRPr/>
-          </a:p>
-        </p:txBody>
-      </p:sp>
       <p:pic>
         <p:nvPicPr>
-          <p:cNvPr id="152" name="Google Shape;152;p15"/>
+          <p:cNvPr id="151" name="Google Shape;151;p15"/>
           <p:cNvPicPr preferRelativeResize="0"/>
           <p:nvPr/>
         </p:nvPicPr>
@@ -10227,7 +10445,7 @@
   <p:cSld>
     <p:spTree>
       <p:nvGrpSpPr>
-        <p:cNvPr id="156" name="Shape 156"/>
+        <p:cNvPr id="155" name="Shape 155"/>
         <p:cNvGrpSpPr/>
         <p:nvPr/>
       </p:nvGrpSpPr>
@@ -10241,7 +10459,7 @@
       </p:grpSpPr>
       <p:sp>
         <p:nvSpPr>
-          <p:cNvPr id="157" name="Google Shape;157;p16"/>
+          <p:cNvPr id="156" name="Google Shape;156;p16"/>
           <p:cNvSpPr txBox="1"/>
           <p:nvPr>
             <p:ph type="title"/>
@@ -10281,7 +10499,7 @@
       </p:sp>
       <p:sp>
         <p:nvSpPr>
-          <p:cNvPr id="158" name="Google Shape;158;p16"/>
+          <p:cNvPr id="157" name="Google Shape;157;p16"/>
           <p:cNvSpPr txBox="1"/>
           <p:nvPr>
             <p:ph idx="1" type="body"/>
@@ -10320,7 +10538,7 @@
       </p:sp>
       <p:pic>
         <p:nvPicPr>
-          <p:cNvPr id="159" name="Google Shape;159;p16"/>
+          <p:cNvPr id="158" name="Google Shape;158;p16"/>
           <p:cNvPicPr preferRelativeResize="0"/>
           <p:nvPr/>
         </p:nvPicPr>
@@ -10358,7 +10576,7 @@
   <p:cSld>
     <p:spTree>
       <p:nvGrpSpPr>
-        <p:cNvPr id="163" name="Shape 163"/>
+        <p:cNvPr id="162" name="Shape 162"/>
         <p:cNvGrpSpPr/>
         <p:nvPr/>
       </p:nvGrpSpPr>
@@ -10372,7 +10590,7 @@
       </p:grpSpPr>
       <p:sp>
         <p:nvSpPr>
-          <p:cNvPr id="164" name="Google Shape;164;p17"/>
+          <p:cNvPr id="163" name="Google Shape;163;p17"/>
           <p:cNvSpPr txBox="1"/>
           <p:nvPr>
             <p:ph type="title"/>
@@ -10423,7 +10641,7 @@
       </p:sp>
       <p:sp>
         <p:nvSpPr>
-          <p:cNvPr id="165" name="Google Shape;165;p17"/>
+          <p:cNvPr id="164" name="Google Shape;164;p17"/>
           <p:cNvSpPr txBox="1"/>
           <p:nvPr>
             <p:ph idx="1" type="body"/>
@@ -10562,7 +10780,7 @@
       </p:sp>
       <p:pic>
         <p:nvPicPr>
-          <p:cNvPr id="166" name="Google Shape;166;p17"/>
+          <p:cNvPr id="165" name="Google Shape;165;p17"/>
           <p:cNvPicPr preferRelativeResize="0"/>
           <p:nvPr/>
         </p:nvPicPr>
@@ -10590,7 +10808,7 @@
       </p:pic>
       <p:pic>
         <p:nvPicPr>
-          <p:cNvPr id="167" name="Google Shape;167;p17"/>
+          <p:cNvPr id="166" name="Google Shape;166;p17"/>
           <p:cNvPicPr preferRelativeResize="0"/>
           <p:nvPr/>
         </p:nvPicPr>
@@ -10618,7 +10836,7 @@
       </p:pic>
       <p:pic>
         <p:nvPicPr>
-          <p:cNvPr id="168" name="Google Shape;168;p17"/>
+          <p:cNvPr id="167" name="Google Shape;167;p17"/>
           <p:cNvPicPr preferRelativeResize="0"/>
           <p:nvPr/>
         </p:nvPicPr>
@@ -10657,7 +10875,7 @@
   <p:cSld>
     <p:spTree>
       <p:nvGrpSpPr>
-        <p:cNvPr id="172" name="Shape 172"/>
+        <p:cNvPr id="171" name="Shape 171"/>
         <p:cNvGrpSpPr/>
         <p:nvPr/>
       </p:nvGrpSpPr>
@@ -10671,7 +10889,7 @@
       </p:grpSpPr>
       <p:sp>
         <p:nvSpPr>
-          <p:cNvPr id="173" name="Google Shape;173;p18"/>
+          <p:cNvPr id="172" name="Google Shape;172;p18"/>
           <p:cNvSpPr txBox="1"/>
           <p:nvPr>
             <p:ph type="title"/>
@@ -10711,7 +10929,7 @@
       </p:sp>
       <p:sp>
         <p:nvSpPr>
-          <p:cNvPr id="174" name="Google Shape;174;p18"/>
+          <p:cNvPr id="173" name="Google Shape;173;p18"/>
           <p:cNvSpPr txBox="1"/>
           <p:nvPr>
             <p:ph idx="1" type="body"/>
@@ -10831,7 +11049,7 @@
       </p:sp>
       <p:cxnSp>
         <p:nvCxnSpPr>
-          <p:cNvPr id="175" name="Google Shape;175;p18"/>
+          <p:cNvPr id="174" name="Google Shape;174;p18"/>
           <p:cNvCxnSpPr/>
           <p:nvPr/>
         </p:nvCxnSpPr>
@@ -10857,7 +11075,7 @@
       </p:cxnSp>
       <p:pic>
         <p:nvPicPr>
-          <p:cNvPr id="176" name="Google Shape;176;p18"/>
+          <p:cNvPr id="175" name="Google Shape;175;p18"/>
           <p:cNvPicPr preferRelativeResize="0"/>
           <p:nvPr/>
         </p:nvPicPr>
@@ -10884,7 +11102,7 @@
       </p:pic>
       <p:pic>
         <p:nvPicPr>
-          <p:cNvPr id="177" name="Google Shape;177;p18"/>
+          <p:cNvPr id="176" name="Google Shape;176;p18"/>
           <p:cNvPicPr preferRelativeResize="0"/>
           <p:nvPr/>
         </p:nvPicPr>
@@ -10912,7 +11130,7 @@
       </p:pic>
       <p:pic>
         <p:nvPicPr>
-          <p:cNvPr id="178" name="Google Shape;178;p18"/>
+          <p:cNvPr id="177" name="Google Shape;177;p18"/>
           <p:cNvPicPr preferRelativeResize="0"/>
           <p:nvPr/>
         </p:nvPicPr>
@@ -10940,7 +11158,7 @@
       </p:pic>
       <p:pic>
         <p:nvPicPr>
-          <p:cNvPr id="179" name="Google Shape;179;p18"/>
+          <p:cNvPr id="178" name="Google Shape;178;p18"/>
           <p:cNvPicPr preferRelativeResize="0"/>
           <p:nvPr/>
         </p:nvPicPr>
@@ -10979,7 +11197,7 @@
   <p:cSld>
     <p:spTree>
       <p:nvGrpSpPr>
-        <p:cNvPr id="183" name="Shape 183"/>
+        <p:cNvPr id="182" name="Shape 182"/>
         <p:cNvGrpSpPr/>
         <p:nvPr/>
       </p:nvGrpSpPr>
@@ -10993,7 +11211,7 @@
       </p:grpSpPr>
       <p:sp>
         <p:nvSpPr>
-          <p:cNvPr id="184" name="Google Shape;184;p19"/>
+          <p:cNvPr id="183" name="Google Shape;183;p19"/>
           <p:cNvSpPr txBox="1"/>
           <p:nvPr>
             <p:ph type="title"/>
@@ -11037,7 +11255,7 @@
       </p:sp>
       <p:sp>
         <p:nvSpPr>
-          <p:cNvPr id="185" name="Google Shape;185;p19"/>
+          <p:cNvPr id="184" name="Google Shape;184;p19"/>
           <p:cNvSpPr txBox="1"/>
           <p:nvPr>
             <p:ph idx="1" type="body"/>
@@ -11070,29 +11288,18 @@
             </a:pPr>
             <a:r>
               <a:rPr lang="fr" sz="2000"/>
-              <a:t>Loi n° 78-17 du 6 janvier 1978</a:t>
+              <a:t>Loi n° 78-17 du 6 janvier 1978 							&gt; Modifiée par la </a:t>
             </a:r>
-            <a:endParaRPr sz="2000"/>
-          </a:p>
-          <a:p>
-            <a:pPr indent="0" lvl="0" marL="457200" rtl="0" algn="l">
-              <a:spcBef>
-                <a:spcPts val="1600"/>
-              </a:spcBef>
-              <a:spcAft>
-                <a:spcPts val="0"/>
-              </a:spcAft>
-              <a:buNone/>
-            </a:pPr>
             <a:r>
-              <a:t/>
+              <a:rPr lang="fr" sz="2000"/>
+              <a:t>Loi n° 2004-801 du 6 août 2004</a:t>
             </a:r>
             <a:endParaRPr sz="2000"/>
           </a:p>
           <a:p>
             <a:pPr indent="-355600" lvl="0" marL="457200" rtl="0" algn="l">
               <a:spcBef>
-                <a:spcPts val="1600"/>
+                <a:spcPts val="0"/>
               </a:spcBef>
               <a:spcAft>
                 <a:spcPts val="0"/>
@@ -11106,29 +11313,14 @@
             </a:r>
             <a:r>
               <a:rPr lang="fr" sz="2000"/>
-              <a:t>5</a:t>
-            </a:r>
-            <a:endParaRPr sz="2000"/>
-          </a:p>
-          <a:p>
-            <a:pPr indent="0" lvl="0" marL="457200" rtl="0" algn="l">
-              <a:spcBef>
-                <a:spcPts val="1600"/>
-              </a:spcBef>
-              <a:spcAft>
-                <a:spcPts val="0"/>
-              </a:spcAft>
-              <a:buNone/>
-            </a:pPr>
-            <a:r>
-              <a:t/>
+              <a:t>5							</a:t>
             </a:r>
             <a:endParaRPr sz="2000"/>
           </a:p>
           <a:p>
             <a:pPr indent="-355600" lvl="0" marL="457200" rtl="0" algn="l">
               <a:spcBef>
-                <a:spcPts val="1600"/>
+                <a:spcPts val="0"/>
               </a:spcBef>
               <a:spcAft>
                 <a:spcPts val="0"/>
@@ -11138,7 +11330,24 @@
             </a:pPr>
             <a:r>
               <a:rPr lang="fr" sz="2000"/>
-              <a:t>Loi n° 2004-801 du 6 août 2004</a:t>
+              <a:t>Décret n°96-926 du 17 octobre 1996					</a:t>
+            </a:r>
+            <a:endParaRPr sz="2000"/>
+          </a:p>
+          <a:p>
+            <a:pPr indent="-355600" lvl="0" marL="457200" rtl="0" algn="l">
+              <a:spcBef>
+                <a:spcPts val="0"/>
+              </a:spcBef>
+              <a:spcAft>
+                <a:spcPts val="0"/>
+              </a:spcAft>
+              <a:buSzPts val="2000"/>
+              <a:buChar char="-"/>
+            </a:pPr>
+            <a:r>
+              <a:rPr lang="fr" sz="2000"/>
+              <a:t>Normes techniques définie dans un décret 				du 3 août 2007 &gt; Modifiée en 2009</a:t>
             </a:r>
             <a:endParaRPr sz="2000"/>
           </a:p>
@@ -11168,6 +11377,285 @@
 </file>
 
 <file path=ppt/theme/theme1.xml><?xml version="1.0" encoding="utf-8"?>
+<a:theme xmlns:a="http://schemas.openxmlformats.org/drawingml/2006/main" xmlns:r="http://schemas.openxmlformats.org/officeDocument/2006/relationships">
+  <a:themeElements>
+    <a:clrScheme name="Default">
+      <a:dk1>
+        <a:srgbClr val="000000"/>
+      </a:dk1>
+      <a:lt1>
+        <a:srgbClr val="FFFFFF"/>
+      </a:lt1>
+      <a:dk2>
+        <a:srgbClr val="158158"/>
+      </a:dk2>
+      <a:lt2>
+        <a:srgbClr val="F3F3F3"/>
+      </a:lt2>
+      <a:accent1>
+        <a:srgbClr val="058DC7"/>
+      </a:accent1>
+      <a:accent2>
+        <a:srgbClr val="50B432"/>
+      </a:accent2>
+      <a:accent3>
+        <a:srgbClr val="ED561B"/>
+      </a:accent3>
+      <a:accent4>
+        <a:srgbClr val="EDEF00"/>
+      </a:accent4>
+      <a:accent5>
+        <a:srgbClr val="24CBE5"/>
+      </a:accent5>
+      <a:accent6>
+        <a:srgbClr val="64E572"/>
+      </a:accent6>
+      <a:hlink>
+        <a:srgbClr val="2200CC"/>
+      </a:hlink>
+      <a:folHlink>
+        <a:srgbClr val="551A8B"/>
+      </a:folHlink>
+    </a:clrScheme>
+    <a:fontScheme name="Office">
+      <a:majorFont>
+        <a:latin typeface="Arial"/>
+        <a:ea typeface=""/>
+        <a:cs typeface=""/>
+        <a:font script="Jpan" typeface="ＭＳ Ｐゴシック"/>
+        <a:font script="Hang" typeface="맑은 고딕"/>
+        <a:font script="Hans" typeface="宋体"/>
+        <a:font script="Hant" typeface="新細明體"/>
+        <a:font script="Arab" typeface="Times New Roman"/>
+        <a:font script="Hebr" typeface="Times New Roman"/>
+        <a:font script="Thai" typeface="Angsana New"/>
+        <a:font script="Ethi" typeface="Nyala"/>
+        <a:font script="Beng" typeface="Vrinda"/>
+        <a:font script="Gujr" typeface="Shruti"/>
+        <a:font script="Khmr" typeface="MoolBoran"/>
+        <a:font script="Knda" typeface="Tunga"/>
+        <a:font script="Guru" typeface="Raavi"/>
+        <a:font script="Cans" typeface="Euphemia"/>
+        <a:font script="Cher" typeface="Plantagenet Cherokee"/>
+        <a:font script="Yiii" typeface="Microsoft Yi Baiti"/>
+        <a:font script="Tibt" typeface="Microsoft Himalaya"/>
+        <a:font script="Thaa" typeface="MV Boli"/>
+        <a:font script="Deva" typeface="Mangal"/>
+        <a:font script="Telu" typeface="Gautami"/>
+        <a:font script="Taml" typeface="Latha"/>
+        <a:font script="Syrc" typeface="Estrangelo Edessa"/>
+        <a:font script="Orya" typeface="Kalinga"/>
+        <a:font script="Mlym" typeface="Kartika"/>
+        <a:font script="Laoo" typeface="DokChampa"/>
+        <a:font script="Sinh" typeface="Iskoola Pota"/>
+        <a:font script="Mong" typeface="Mongolian Baiti"/>
+        <a:font script="Viet" typeface="Times New Roman"/>
+        <a:font script="Uigh" typeface="Microsoft Uighur"/>
+        <a:font script="Geor" typeface="Sylfaen"/>
+      </a:majorFont>
+      <a:minorFont>
+        <a:latin typeface="Arial"/>
+        <a:ea typeface=""/>
+        <a:cs typeface=""/>
+        <a:font script="Jpan" typeface="ＭＳ Ｐゴシック"/>
+        <a:font script="Hang" typeface="맑은 고딕"/>
+        <a:font script="Hans" typeface="宋体"/>
+        <a:font script="Hant" typeface="新細明體"/>
+        <a:font script="Arab" typeface="Arial"/>
+        <a:font script="Hebr" typeface="Arial"/>
+        <a:font script="Thai" typeface="Cordia New"/>
+        <a:font script="Ethi" typeface="Nyala"/>
+        <a:font script="Beng" typeface="Vrinda"/>
+        <a:font script="Gujr" typeface="Shruti"/>
+        <a:font script="Khmr" typeface="DaunPenh"/>
+        <a:font script="Knda" typeface="Tunga"/>
+        <a:font script="Guru" typeface="Raavi"/>
+        <a:font script="Cans" typeface="Euphemia"/>
+        <a:font script="Cher" typeface="Plantagenet Cherokee"/>
+        <a:font script="Yiii" typeface="Microsoft Yi Baiti"/>
+        <a:font script="Tibt" typeface="Microsoft Himalaya"/>
+        <a:font script="Thaa" typeface="MV Boli"/>
+        <a:font script="Deva" typeface="Mangal"/>
+        <a:font script="Telu" typeface="Gautami"/>
+        <a:font script="Taml" typeface="Latha"/>
+        <a:font script="Syrc" typeface="Estrangelo Edessa"/>
+        <a:font script="Orya" typeface="Kalinga"/>
+        <a:font script="Mlym" typeface="Kartika"/>
+        <a:font script="Laoo" typeface="DokChampa"/>
+        <a:font script="Sinh" typeface="Iskoola Pota"/>
+        <a:font script="Mong" typeface="Mongolian Baiti"/>
+        <a:font script="Viet" typeface="Arial"/>
+        <a:font script="Uigh" typeface="Microsoft Uighur"/>
+        <a:font script="Geor" typeface="Sylfaen"/>
+      </a:minorFont>
+    </a:fontScheme>
+    <a:fmtScheme name="Office">
+      <a:fillStyleLst>
+        <a:solidFill>
+          <a:schemeClr val="phClr"/>
+        </a:solidFill>
+        <a:gradFill rotWithShape="1">
+          <a:gsLst>
+            <a:gs pos="0">
+              <a:schemeClr val="phClr">
+                <a:tint val="50000"/>
+                <a:satMod val="300000"/>
+              </a:schemeClr>
+            </a:gs>
+            <a:gs pos="35000">
+              <a:schemeClr val="phClr">
+                <a:tint val="37000"/>
+                <a:satMod val="300000"/>
+              </a:schemeClr>
+            </a:gs>
+            <a:gs pos="100000">
+              <a:schemeClr val="phClr">
+                <a:tint val="15000"/>
+                <a:satMod val="350000"/>
+              </a:schemeClr>
+            </a:gs>
+          </a:gsLst>
+          <a:lin ang="16200000" scaled="1"/>
+        </a:gradFill>
+        <a:gradFill rotWithShape="1">
+          <a:gsLst>
+            <a:gs pos="0">
+              <a:schemeClr val="phClr">
+                <a:tint val="100000"/>
+                <a:shade val="100000"/>
+                <a:satMod val="130000"/>
+              </a:schemeClr>
+            </a:gs>
+            <a:gs pos="100000">
+              <a:schemeClr val="phClr">
+                <a:tint val="50000"/>
+                <a:shade val="100000"/>
+                <a:satMod val="350000"/>
+              </a:schemeClr>
+            </a:gs>
+          </a:gsLst>
+          <a:lin ang="16200000" scaled="0"/>
+        </a:gradFill>
+      </a:fillStyleLst>
+      <a:lnStyleLst>
+        <a:ln w="9525" cap="flat" cmpd="sng" algn="ctr">
+          <a:solidFill>
+            <a:schemeClr val="phClr">
+              <a:shade val="95000"/>
+              <a:satMod val="105000"/>
+            </a:schemeClr>
+          </a:solidFill>
+          <a:prstDash val="solid"/>
+        </a:ln>
+        <a:ln w="25400" cap="flat" cmpd="sng" algn="ctr">
+          <a:solidFill>
+            <a:schemeClr val="phClr"/>
+          </a:solidFill>
+          <a:prstDash val="solid"/>
+        </a:ln>
+        <a:ln w="38100" cap="flat" cmpd="sng" algn="ctr">
+          <a:solidFill>
+            <a:schemeClr val="phClr"/>
+          </a:solidFill>
+          <a:prstDash val="solid"/>
+        </a:ln>
+      </a:lnStyleLst>
+      <a:effectStyleLst>
+        <a:effectStyle>
+          <a:effectLst>
+            <a:outerShdw blurRad="40000" dist="20000" dir="5400000" rotWithShape="0">
+              <a:srgbClr val="000000">
+                <a:alpha val="38000"/>
+              </a:srgbClr>
+            </a:outerShdw>
+          </a:effectLst>
+        </a:effectStyle>
+        <a:effectStyle>
+          <a:effectLst>
+            <a:outerShdw blurRad="40000" dist="23000" dir="5400000" rotWithShape="0">
+              <a:srgbClr val="000000">
+                <a:alpha val="35000"/>
+              </a:srgbClr>
+            </a:outerShdw>
+          </a:effectLst>
+        </a:effectStyle>
+        <a:effectStyle>
+          <a:effectLst>
+            <a:outerShdw blurRad="40000" dist="23000" dir="5400000" rotWithShape="0">
+              <a:srgbClr val="000000">
+                <a:alpha val="35000"/>
+              </a:srgbClr>
+            </a:outerShdw>
+          </a:effectLst>
+          <a:scene3d>
+            <a:camera prst="orthographicFront">
+              <a:rot lat="0" lon="0" rev="0"/>
+            </a:camera>
+            <a:lightRig rig="threePt" dir="t">
+              <a:rot lat="0" lon="0" rev="1200000"/>
+            </a:lightRig>
+          </a:scene3d>
+          <a:sp3d>
+            <a:bevelT w="63500" h="25400"/>
+          </a:sp3d>
+        </a:effectStyle>
+      </a:effectStyleLst>
+      <a:bgFillStyleLst>
+        <a:solidFill>
+          <a:schemeClr val="phClr"/>
+        </a:solidFill>
+        <a:gradFill rotWithShape="1">
+          <a:gsLst>
+            <a:gs pos="0">
+              <a:schemeClr val="phClr">
+                <a:tint val="40000"/>
+                <a:satMod val="350000"/>
+              </a:schemeClr>
+            </a:gs>
+            <a:gs pos="40000">
+              <a:schemeClr val="phClr">
+                <a:tint val="45000"/>
+                <a:shade val="99000"/>
+                <a:satMod val="350000"/>
+              </a:schemeClr>
+            </a:gs>
+            <a:gs pos="100000">
+              <a:schemeClr val="phClr">
+                <a:shade val="20000"/>
+                <a:satMod val="255000"/>
+              </a:schemeClr>
+            </a:gs>
+          </a:gsLst>
+          <a:path path="circle">
+            <a:fillToRect l="50000" t="-80000" r="50000" b="180000"/>
+          </a:path>
+        </a:gradFill>
+        <a:gradFill rotWithShape="1">
+          <a:gsLst>
+            <a:gs pos="0">
+              <a:schemeClr val="phClr">
+                <a:tint val="80000"/>
+                <a:satMod val="300000"/>
+              </a:schemeClr>
+            </a:gs>
+            <a:gs pos="100000">
+              <a:schemeClr val="phClr">
+                <a:shade val="30000"/>
+                <a:satMod val="200000"/>
+              </a:schemeClr>
+            </a:gs>
+          </a:gsLst>
+          <a:path path="circle">
+            <a:fillToRect l="50000" t="50000" r="50000" b="50000"/>
+          </a:path>
+        </a:gradFill>
+      </a:bgFillStyleLst>
+    </a:fmtScheme>
+  </a:themeElements>
+</a:theme>
+</file>
+
+<file path=ppt/theme/theme2.xml><?xml version="1.0" encoding="utf-8"?>
 <a:theme xmlns:a="http://schemas.openxmlformats.org/drawingml/2006/main" xmlns:r="http://schemas.openxmlformats.org/officeDocument/2006/relationships" name="Focus">
   <a:themeElements>
     <a:clrScheme name="Focus">
@@ -11444,283 +11932,4 @@
     </a:fmtScheme>
   </a:themeElements>
 </a:theme>
-</file>
-
-<file path=ppt/theme/theme2.xml><?xml version="1.0" encoding="utf-8"?>
-<a:theme xmlns:a="http://schemas.openxmlformats.org/drawingml/2006/main" xmlns:r="http://schemas.openxmlformats.org/officeDocument/2006/relationships">
-  <a:themeElements>
-    <a:clrScheme name="Default">
-      <a:dk1>
-        <a:srgbClr val="000000"/>
-      </a:dk1>
-      <a:lt1>
-        <a:srgbClr val="FFFFFF"/>
-      </a:lt1>
-      <a:dk2>
-        <a:srgbClr val="158158"/>
-      </a:dk2>
-      <a:lt2>
-        <a:srgbClr val="F3F3F3"/>
-      </a:lt2>
-      <a:accent1>
-        <a:srgbClr val="058DC7"/>
-      </a:accent1>
-      <a:accent2>
-        <a:srgbClr val="50B432"/>
-      </a:accent2>
-      <a:accent3>
-        <a:srgbClr val="ED561B"/>
-      </a:accent3>
-      <a:accent4>
-        <a:srgbClr val="EDEF00"/>
-      </a:accent4>
-      <a:accent5>
-        <a:srgbClr val="24CBE5"/>
-      </a:accent5>
-      <a:accent6>
-        <a:srgbClr val="64E572"/>
-      </a:accent6>
-      <a:hlink>
-        <a:srgbClr val="2200CC"/>
-      </a:hlink>
-      <a:folHlink>
-        <a:srgbClr val="551A8B"/>
-      </a:folHlink>
-    </a:clrScheme>
-    <a:fontScheme name="Office">
-      <a:majorFont>
-        <a:latin typeface="Arial"/>
-        <a:ea typeface=""/>
-        <a:cs typeface=""/>
-        <a:font script="Jpan" typeface="ＭＳ Ｐゴシック"/>
-        <a:font script="Hang" typeface="맑은 고딕"/>
-        <a:font script="Hans" typeface="宋体"/>
-        <a:font script="Hant" typeface="新細明體"/>
-        <a:font script="Arab" typeface="Times New Roman"/>
-        <a:font script="Hebr" typeface="Times New Roman"/>
-        <a:font script="Thai" typeface="Angsana New"/>
-        <a:font script="Ethi" typeface="Nyala"/>
-        <a:font script="Beng" typeface="Vrinda"/>
-        <a:font script="Gujr" typeface="Shruti"/>
-        <a:font script="Khmr" typeface="MoolBoran"/>
-        <a:font script="Knda" typeface="Tunga"/>
-        <a:font script="Guru" typeface="Raavi"/>
-        <a:font script="Cans" typeface="Euphemia"/>
-        <a:font script="Cher" typeface="Plantagenet Cherokee"/>
-        <a:font script="Yiii" typeface="Microsoft Yi Baiti"/>
-        <a:font script="Tibt" typeface="Microsoft Himalaya"/>
-        <a:font script="Thaa" typeface="MV Boli"/>
-        <a:font script="Deva" typeface="Mangal"/>
-        <a:font script="Telu" typeface="Gautami"/>
-        <a:font script="Taml" typeface="Latha"/>
-        <a:font script="Syrc" typeface="Estrangelo Edessa"/>
-        <a:font script="Orya" typeface="Kalinga"/>
-        <a:font script="Mlym" typeface="Kartika"/>
-        <a:font script="Laoo" typeface="DokChampa"/>
-        <a:font script="Sinh" typeface="Iskoola Pota"/>
-        <a:font script="Mong" typeface="Mongolian Baiti"/>
-        <a:font script="Viet" typeface="Times New Roman"/>
-        <a:font script="Uigh" typeface="Microsoft Uighur"/>
-        <a:font script="Geor" typeface="Sylfaen"/>
-      </a:majorFont>
-      <a:minorFont>
-        <a:latin typeface="Arial"/>
-        <a:ea typeface=""/>
-        <a:cs typeface=""/>
-        <a:font script="Jpan" typeface="ＭＳ Ｐゴシック"/>
-        <a:font script="Hang" typeface="맑은 고딕"/>
-        <a:font script="Hans" typeface="宋体"/>
-        <a:font script="Hant" typeface="新細明體"/>
-        <a:font script="Arab" typeface="Arial"/>
-        <a:font script="Hebr" typeface="Arial"/>
-        <a:font script="Thai" typeface="Cordia New"/>
-        <a:font script="Ethi" typeface="Nyala"/>
-        <a:font script="Beng" typeface="Vrinda"/>
-        <a:font script="Gujr" typeface="Shruti"/>
-        <a:font script="Khmr" typeface="DaunPenh"/>
-        <a:font script="Knda" typeface="Tunga"/>
-        <a:font script="Guru" typeface="Raavi"/>
-        <a:font script="Cans" typeface="Euphemia"/>
-        <a:font script="Cher" typeface="Plantagenet Cherokee"/>
-        <a:font script="Yiii" typeface="Microsoft Yi Baiti"/>
-        <a:font script="Tibt" typeface="Microsoft Himalaya"/>
-        <a:font script="Thaa" typeface="MV Boli"/>
-        <a:font script="Deva" typeface="Mangal"/>
-        <a:font script="Telu" typeface="Gautami"/>
-        <a:font script="Taml" typeface="Latha"/>
-        <a:font script="Syrc" typeface="Estrangelo Edessa"/>
-        <a:font script="Orya" typeface="Kalinga"/>
-        <a:font script="Mlym" typeface="Kartika"/>
-        <a:font script="Laoo" typeface="DokChampa"/>
-        <a:font script="Sinh" typeface="Iskoola Pota"/>
-        <a:font script="Mong" typeface="Mongolian Baiti"/>
-        <a:font script="Viet" typeface="Arial"/>
-        <a:font script="Uigh" typeface="Microsoft Uighur"/>
-        <a:font script="Geor" typeface="Sylfaen"/>
-      </a:minorFont>
-    </a:fontScheme>
-    <a:fmtScheme name="Office">
-      <a:fillStyleLst>
-        <a:solidFill>
-          <a:schemeClr val="phClr"/>
-        </a:solidFill>
-        <a:gradFill rotWithShape="1">
-          <a:gsLst>
-            <a:gs pos="0">
-              <a:schemeClr val="phClr">
-                <a:tint val="50000"/>
-                <a:satMod val="300000"/>
-              </a:schemeClr>
-            </a:gs>
-            <a:gs pos="35000">
-              <a:schemeClr val="phClr">
-                <a:tint val="37000"/>
-                <a:satMod val="300000"/>
-              </a:schemeClr>
-            </a:gs>
-            <a:gs pos="100000">
-              <a:schemeClr val="phClr">
-                <a:tint val="15000"/>
-                <a:satMod val="350000"/>
-              </a:schemeClr>
-            </a:gs>
-          </a:gsLst>
-          <a:lin ang="16200000" scaled="1"/>
-        </a:gradFill>
-        <a:gradFill rotWithShape="1">
-          <a:gsLst>
-            <a:gs pos="0">
-              <a:schemeClr val="phClr">
-                <a:tint val="100000"/>
-                <a:shade val="100000"/>
-                <a:satMod val="130000"/>
-              </a:schemeClr>
-            </a:gs>
-            <a:gs pos="100000">
-              <a:schemeClr val="phClr">
-                <a:tint val="50000"/>
-                <a:shade val="100000"/>
-                <a:satMod val="350000"/>
-              </a:schemeClr>
-            </a:gs>
-          </a:gsLst>
-          <a:lin ang="16200000" scaled="0"/>
-        </a:gradFill>
-      </a:fillStyleLst>
-      <a:lnStyleLst>
-        <a:ln w="9525" cap="flat" cmpd="sng" algn="ctr">
-          <a:solidFill>
-            <a:schemeClr val="phClr">
-              <a:shade val="95000"/>
-              <a:satMod val="105000"/>
-            </a:schemeClr>
-          </a:solidFill>
-          <a:prstDash val="solid"/>
-        </a:ln>
-        <a:ln w="25400" cap="flat" cmpd="sng" algn="ctr">
-          <a:solidFill>
-            <a:schemeClr val="phClr"/>
-          </a:solidFill>
-          <a:prstDash val="solid"/>
-        </a:ln>
-        <a:ln w="38100" cap="flat" cmpd="sng" algn="ctr">
-          <a:solidFill>
-            <a:schemeClr val="phClr"/>
-          </a:solidFill>
-          <a:prstDash val="solid"/>
-        </a:ln>
-      </a:lnStyleLst>
-      <a:effectStyleLst>
-        <a:effectStyle>
-          <a:effectLst>
-            <a:outerShdw blurRad="40000" dist="20000" dir="5400000" rotWithShape="0">
-              <a:srgbClr val="000000">
-                <a:alpha val="38000"/>
-              </a:srgbClr>
-            </a:outerShdw>
-          </a:effectLst>
-        </a:effectStyle>
-        <a:effectStyle>
-          <a:effectLst>
-            <a:outerShdw blurRad="40000" dist="23000" dir="5400000" rotWithShape="0">
-              <a:srgbClr val="000000">
-                <a:alpha val="35000"/>
-              </a:srgbClr>
-            </a:outerShdw>
-          </a:effectLst>
-        </a:effectStyle>
-        <a:effectStyle>
-          <a:effectLst>
-            <a:outerShdw blurRad="40000" dist="23000" dir="5400000" rotWithShape="0">
-              <a:srgbClr val="000000">
-                <a:alpha val="35000"/>
-              </a:srgbClr>
-            </a:outerShdw>
-          </a:effectLst>
-          <a:scene3d>
-            <a:camera prst="orthographicFront">
-              <a:rot lat="0" lon="0" rev="0"/>
-            </a:camera>
-            <a:lightRig rig="threePt" dir="t">
-              <a:rot lat="0" lon="0" rev="1200000"/>
-            </a:lightRig>
-          </a:scene3d>
-          <a:sp3d>
-            <a:bevelT w="63500" h="25400"/>
-          </a:sp3d>
-        </a:effectStyle>
-      </a:effectStyleLst>
-      <a:bgFillStyleLst>
-        <a:solidFill>
-          <a:schemeClr val="phClr"/>
-        </a:solidFill>
-        <a:gradFill rotWithShape="1">
-          <a:gsLst>
-            <a:gs pos="0">
-              <a:schemeClr val="phClr">
-                <a:tint val="40000"/>
-                <a:satMod val="350000"/>
-              </a:schemeClr>
-            </a:gs>
-            <a:gs pos="40000">
-              <a:schemeClr val="phClr">
-                <a:tint val="45000"/>
-                <a:shade val="99000"/>
-                <a:satMod val="350000"/>
-              </a:schemeClr>
-            </a:gs>
-            <a:gs pos="100000">
-              <a:schemeClr val="phClr">
-                <a:shade val="20000"/>
-                <a:satMod val="255000"/>
-              </a:schemeClr>
-            </a:gs>
-          </a:gsLst>
-          <a:path path="circle">
-            <a:fillToRect l="50000" t="-80000" r="50000" b="180000"/>
-          </a:path>
-        </a:gradFill>
-        <a:gradFill rotWithShape="1">
-          <a:gsLst>
-            <a:gs pos="0">
-              <a:schemeClr val="phClr">
-                <a:tint val="80000"/>
-                <a:satMod val="300000"/>
-              </a:schemeClr>
-            </a:gs>
-            <a:gs pos="100000">
-              <a:schemeClr val="phClr">
-                <a:shade val="30000"/>
-                <a:satMod val="200000"/>
-              </a:schemeClr>
-            </a:gs>
-          </a:gsLst>
-          <a:path path="circle">
-            <a:fillToRect l="50000" t="50000" r="50000" b="50000"/>
-          </a:path>
-        </a:gradFill>
-      </a:bgFillStyleLst>
-    </a:fmtScheme>
-  </a:themeElements>
-</a:theme>
 </file>